--- a/trunk/Training/ConEd-2019/Session2.pptx
+++ b/trunk/Training/ConEd-2019/Session2.pptx
@@ -269,7 +269,7 @@
           <a:p>
             <a:fld id="{FF391D5B-F21D-4A23-BC16-77D248A42E04}" type="datetimeFigureOut">
               <a:rPr lang="en-US" smtClean="0"/>
-              <a:t>9/17/2019</a:t>
+              <a:t>10/14/2019</a:t>
             </a:fld>
             <a:endParaRPr lang="en-US"/>
           </a:p>
@@ -434,7 +434,7 @@
           <a:p>
             <a:fld id="{21D603EA-85D6-422C-AB10-17A2A7923832}" type="datetimeFigureOut">
               <a:rPr lang="en-US" smtClean="0"/>
-              <a:t>9/17/2019</a:t>
+              <a:t>10/14/2019</a:t>
             </a:fld>
             <a:endParaRPr lang="en-US" dirty="0"/>
           </a:p>
@@ -17419,30 +17419,26 @@
           </a:p>
           <a:p>
             <a:r>
-              <a:rPr lang="en-US"/>
+              <a:rPr lang="en-US" dirty="0"/>
               <a:t>Davis Montenegro</a:t>
             </a:r>
           </a:p>
           <a:p>
             <a:r>
-              <a:rPr lang="en-US"/>
-              <a:t>EPRI </a:t>
+              <a:rPr lang="en-US" dirty="0"/>
+              <a:t>EPRI Knoxville, TN</a:t>
             </a:r>
+          </a:p>
+          <a:p>
+            <a:endParaRPr lang="en-US" dirty="0"/>
+          </a:p>
+          <a:p>
+            <a:endParaRPr lang="en-US" dirty="0"/>
+          </a:p>
+          <a:p>
             <a:r>
-              <a:rPr lang="en-US" dirty="0"/>
-              <a:t>Knoxville, TN</a:t>
-            </a:r>
-          </a:p>
-          <a:p>
-            <a:endParaRPr lang="en-US" dirty="0"/>
-          </a:p>
-          <a:p>
-            <a:endParaRPr lang="en-US" dirty="0"/>
-          </a:p>
-          <a:p>
-            <a:r>
-              <a:rPr lang="en-US" b="1" dirty="0"/>
-              <a:t>September 24-25, 2019</a:t>
+              <a:rPr lang="en-US" b="1"/>
+              <a:t>October 17-18, 2019</a:t>
             </a:r>
             <a:endParaRPr lang="en-US" dirty="0"/>
           </a:p>
@@ -17493,13 +17489,13 @@
           <a:p>
             <a:r>
               <a:rPr lang="en-US" dirty="0"/>
-              <a:t>Idaho Power Co.</a:t>
+              <a:t>Consolidated Edison Co.</a:t>
             </a:r>
           </a:p>
           <a:p>
             <a:r>
               <a:rPr lang="en-US" dirty="0"/>
-              <a:t>Boise, Idaho</a:t>
+              <a:t>New York, NY</a:t>
             </a:r>
           </a:p>
         </p:txBody>
@@ -40499,7 +40495,7 @@
           <a:graphicData uri="http://schemas.openxmlformats.org/presentationml/2006/ole">
             <mc:AlternateContent xmlns:mc="http://schemas.openxmlformats.org/markup-compatibility/2006">
               <mc:Choice xmlns:v="urn:schemas-microsoft-com:vml" Requires="v">
-                <p:oleObj spid="_x0000_s7173" name="Equation" r:id="rId5" imgW="266469" imgH="393359" progId="Equation.3">
+                <p:oleObj spid="_x0000_s7174" name="Equation" r:id="rId5" imgW="266469" imgH="393359" progId="Equation.3">
                   <p:embed/>
                 </p:oleObj>
               </mc:Choice>
@@ -50260,20 +50256,20 @@
 </file>
 
 <file path=customXml/item1.xml><?xml version="1.0" encoding="utf-8"?>
+<p:properties xmlns:p="http://schemas.microsoft.com/office/2006/metadata/properties" xmlns:xsi="http://www.w3.org/2001/XMLSchema-instance" xmlns:pc="http://schemas.microsoft.com/office/infopath/2007/PartnerControls">
+  <documentManagement>
+    <Category xmlns="9d4eb815-23ed-48d9-b0c1-2b9ce0016f4e">EPRI PowerPoint Template</Category>
+  </documentManagement>
+</p:properties>
+</file>
+
+<file path=customXml/item2.xml><?xml version="1.0" encoding="utf-8"?>
 <?mso-contentType ?>
 <FormTemplates xmlns="http://schemas.microsoft.com/sharepoint/v3/contenttype/forms">
   <Display>DocumentLibraryForm</Display>
   <Edit>DocumentLibraryForm</Edit>
   <New>DocumentLibraryForm</New>
 </FormTemplates>
-</file>
-
-<file path=customXml/item2.xml><?xml version="1.0" encoding="utf-8"?>
-<p:properties xmlns:p="http://schemas.microsoft.com/office/2006/metadata/properties" xmlns:xsi="http://www.w3.org/2001/XMLSchema-instance" xmlns:pc="http://schemas.microsoft.com/office/infopath/2007/PartnerControls">
-  <documentManagement>
-    <Category xmlns="9d4eb815-23ed-48d9-b0c1-2b9ce0016f4e">EPRI PowerPoint Template</Category>
-  </documentManagement>
-</p:properties>
 </file>
 
 <file path=customXml/item3.xml><?xml version="1.0" encoding="utf-8"?>
@@ -50409,14 +50405,6 @@
 </file>
 
 <file path=customXml/itemProps1.xml><?xml version="1.0" encoding="utf-8"?>
-<ds:datastoreItem xmlns:ds="http://schemas.openxmlformats.org/officeDocument/2006/customXml" ds:itemID="{B9E07810-A7D8-4B3A-A78F-4052749F2489}">
-  <ds:schemaRefs>
-    <ds:schemaRef ds:uri="http://schemas.microsoft.com/sharepoint/v3/contenttype/forms"/>
-  </ds:schemaRefs>
-</ds:datastoreItem>
-</file>
-
-<file path=customXml/itemProps2.xml><?xml version="1.0" encoding="utf-8"?>
 <ds:datastoreItem xmlns:ds="http://schemas.openxmlformats.org/officeDocument/2006/customXml" ds:itemID="{45521A8B-3986-40B6-95DF-B5A721DA9604}">
   <ds:schemaRefs>
     <ds:schemaRef ds:uri="http://purl.org/dc/terms/"/>
@@ -50428,6 +50416,14 @@
     <ds:schemaRef ds:uri="http://schemas.microsoft.com/office/infopath/2007/PartnerControls"/>
     <ds:schemaRef ds:uri="http://schemas.microsoft.com/office/2006/metadata/properties"/>
     <ds:schemaRef ds:uri="http://www.w3.org/XML/1998/namespace"/>
+  </ds:schemaRefs>
+</ds:datastoreItem>
+</file>
+
+<file path=customXml/itemProps2.xml><?xml version="1.0" encoding="utf-8"?>
+<ds:datastoreItem xmlns:ds="http://schemas.openxmlformats.org/officeDocument/2006/customXml" ds:itemID="{B9E07810-A7D8-4B3A-A78F-4052749F2489}">
+  <ds:schemaRefs>
+    <ds:schemaRef ds:uri="http://schemas.microsoft.com/sharepoint/v3/contenttype/forms"/>
   </ds:schemaRefs>
 </ds:datastoreItem>
 </file>
